--- a/USA Real Estate Price Prediction_ryanedits.pptx
+++ b/USA Real Estate Price Prediction_ryanedits.pptx
@@ -4079,12 +4079,64 @@
           <a:p>
             <a:pPr lvl="1" fontAlgn="base"/>
             <a:r>
+              <a:rPr lang="en-US" dirty="0">
+                <a:latin typeface="inherit"/>
+              </a:rPr>
+              <a:t>Number of bedrooms</a:t>
+            </a:r>
+            <a:endParaRPr lang="en-US" b="0" i="0" dirty="0">
+              <a:effectLst/>
+              <a:latin typeface="inherit"/>
+            </a:endParaRPr>
+          </a:p>
+          <a:p>
+            <a:pPr lvl="1" fontAlgn="base"/>
+            <a:r>
+              <a:rPr lang="en-US" dirty="0">
+                <a:latin typeface="inherit"/>
+              </a:rPr>
+              <a:t>Number of bathrooms</a:t>
+            </a:r>
+            <a:endParaRPr lang="en-US" b="0" i="0" dirty="0">
+              <a:effectLst/>
+              <a:latin typeface="inherit"/>
+            </a:endParaRPr>
+          </a:p>
+          <a:p>
+            <a:pPr lvl="1" fontAlgn="base"/>
+            <a:r>
               <a:rPr lang="en-US" b="0" i="0" dirty="0">
                 <a:effectLst/>
                 <a:latin typeface="inherit"/>
               </a:rPr>
-              <a:t>bed (# of beds)</a:t>
-            </a:r>
+              <a:t>Land size in acres</a:t>
+            </a:r>
+          </a:p>
+          <a:p>
+            <a:pPr lvl="1" fontAlgn="base"/>
+            <a:r>
+              <a:rPr lang="en-US" dirty="0">
+                <a:latin typeface="inherit"/>
+              </a:rPr>
+              <a:t>City</a:t>
+            </a:r>
+            <a:endParaRPr lang="en-US" b="0" i="0" dirty="0">
+              <a:effectLst/>
+              <a:latin typeface="inherit"/>
+            </a:endParaRPr>
+          </a:p>
+          <a:p>
+            <a:pPr lvl="1" fontAlgn="base"/>
+            <a:r>
+              <a:rPr lang="en-US" dirty="0">
+                <a:latin typeface="inherit"/>
+              </a:rPr>
+              <a:t>State</a:t>
+            </a:r>
+            <a:endParaRPr lang="en-US" b="0" i="0" dirty="0">
+              <a:effectLst/>
+              <a:latin typeface="inherit"/>
+            </a:endParaRPr>
           </a:p>
           <a:p>
             <a:pPr lvl="1" fontAlgn="base"/>
@@ -4093,78 +4145,23 @@
                 <a:effectLst/>
                 <a:latin typeface="inherit"/>
               </a:rPr>
-              <a:t>bath (# of bathrooms)</a:t>
+              <a:t>Zip code</a:t>
             </a:r>
           </a:p>
           <a:p>
             <a:pPr lvl="1" fontAlgn="base"/>
             <a:r>
-              <a:rPr lang="en-US" b="0" i="0" dirty="0" err="1">
-                <a:effectLst/>
+              <a:rPr lang="en-US" dirty="0">
                 <a:latin typeface="inherit"/>
               </a:rPr>
-              <a:t>acre_lot</a:t>
+              <a:t>House size </a:t>
             </a:r>
             <a:r>
               <a:rPr lang="en-US" b="0" i="0" dirty="0">
                 <a:effectLst/>
                 <a:latin typeface="inherit"/>
               </a:rPr>
-              <a:t> (Property / Land size in acres)</a:t>
-            </a:r>
-          </a:p>
-          <a:p>
-            <a:pPr lvl="1" fontAlgn="base"/>
-            <a:r>
-              <a:rPr lang="en-US" b="0" i="0" dirty="0">
-                <a:effectLst/>
-                <a:latin typeface="inherit"/>
-              </a:rPr>
-              <a:t>city (city name)</a:t>
-            </a:r>
-          </a:p>
-          <a:p>
-            <a:pPr lvl="1" fontAlgn="base"/>
-            <a:r>
-              <a:rPr lang="en-US" b="0" i="0" dirty="0">
-                <a:effectLst/>
-                <a:latin typeface="inherit"/>
-              </a:rPr>
-              <a:t>state (state name)</a:t>
-            </a:r>
-          </a:p>
-          <a:p>
-            <a:pPr lvl="1" fontAlgn="base"/>
-            <a:r>
-              <a:rPr lang="en-US" b="0" i="0" dirty="0" err="1">
-                <a:effectLst/>
-                <a:latin typeface="inherit"/>
-              </a:rPr>
-              <a:t>zip_code</a:t>
-            </a:r>
-            <a:r>
-              <a:rPr lang="en-US" b="0" i="0" dirty="0">
-                <a:effectLst/>
-                <a:latin typeface="inherit"/>
-              </a:rPr>
-              <a:t> (postal code of the area)</a:t>
-            </a:r>
-          </a:p>
-          <a:p>
-            <a:pPr lvl="1" fontAlgn="base"/>
-            <a:r>
-              <a:rPr lang="en-US" b="0" i="0" dirty="0" err="1">
-                <a:effectLst/>
-                <a:latin typeface="inherit"/>
-              </a:rPr>
-              <a:t>house_size</a:t>
-            </a:r>
-            <a:r>
-              <a:rPr lang="en-US" b="0" i="0" dirty="0">
-                <a:effectLst/>
-                <a:latin typeface="inherit"/>
-              </a:rPr>
-              <a:t> (house area/size/living space in square feet)</a:t>
+              <a:t>in square feet</a:t>
             </a:r>
           </a:p>
           <a:p>

--- a/USA Real Estate Price Prediction_ryanedits.pptx
+++ b/USA Real Estate Price Prediction_ryanedits.pptx
@@ -9,9 +9,10 @@
     <p:sldId id="257" r:id="rId3"/>
     <p:sldId id="259" r:id="rId4"/>
     <p:sldId id="260" r:id="rId5"/>
-    <p:sldId id="258" r:id="rId6"/>
-    <p:sldId id="261" r:id="rId7"/>
-    <p:sldId id="262" r:id="rId8"/>
+    <p:sldId id="263" r:id="rId6"/>
+    <p:sldId id="258" r:id="rId7"/>
+    <p:sldId id="261" r:id="rId8"/>
+    <p:sldId id="262" r:id="rId9"/>
   </p:sldIdLst>
   <p:sldSz cx="12192000" cy="6858000"/>
   <p:notesSz cx="6858000" cy="9144000"/>
@@ -257,7 +258,7 @@
           <a:p>
             <a:fld id="{34CE6E5E-721A-4650-9A35-32A694A0BC53}" type="datetimeFigureOut">
               <a:rPr lang="en-US" smtClean="0"/>
-              <a:t>5/19/2023</a:t>
+              <a:t>5/20/2023</a:t>
             </a:fld>
             <a:endParaRPr lang="en-US"/>
           </a:p>
@@ -468,7 +469,7 @@
           <a:p>
             <a:fld id="{34CE6E5E-721A-4650-9A35-32A694A0BC53}" type="datetimeFigureOut">
               <a:rPr lang="en-US" smtClean="0"/>
-              <a:t>5/19/2023</a:t>
+              <a:t>5/20/2023</a:t>
             </a:fld>
             <a:endParaRPr lang="en-US"/>
           </a:p>
@@ -683,7 +684,7 @@
           <a:p>
             <a:fld id="{34CE6E5E-721A-4650-9A35-32A694A0BC53}" type="datetimeFigureOut">
               <a:rPr lang="en-US" smtClean="0"/>
-              <a:t>5/19/2023</a:t>
+              <a:t>5/20/2023</a:t>
             </a:fld>
             <a:endParaRPr lang="en-US"/>
           </a:p>
@@ -884,7 +885,7 @@
           <a:p>
             <a:fld id="{34CE6E5E-721A-4650-9A35-32A694A0BC53}" type="datetimeFigureOut">
               <a:rPr lang="en-US" smtClean="0"/>
-              <a:t>5/19/2023</a:t>
+              <a:t>5/20/2023</a:t>
             </a:fld>
             <a:endParaRPr lang="en-US"/>
           </a:p>
@@ -1163,7 +1164,7 @@
           <a:p>
             <a:fld id="{34CE6E5E-721A-4650-9A35-32A694A0BC53}" type="datetimeFigureOut">
               <a:rPr lang="en-US" smtClean="0"/>
-              <a:t>5/19/2023</a:t>
+              <a:t>5/20/2023</a:t>
             </a:fld>
             <a:endParaRPr lang="en-US"/>
           </a:p>
@@ -1431,7 +1432,7 @@
           <a:p>
             <a:fld id="{34CE6E5E-721A-4650-9A35-32A694A0BC53}" type="datetimeFigureOut">
               <a:rPr lang="en-US" smtClean="0"/>
-              <a:t>5/19/2023</a:t>
+              <a:t>5/20/2023</a:t>
             </a:fld>
             <a:endParaRPr lang="en-US"/>
           </a:p>
@@ -1847,7 +1848,7 @@
           <a:p>
             <a:fld id="{34CE6E5E-721A-4650-9A35-32A694A0BC53}" type="datetimeFigureOut">
               <a:rPr lang="en-US" smtClean="0"/>
-              <a:t>5/19/2023</a:t>
+              <a:t>5/20/2023</a:t>
             </a:fld>
             <a:endParaRPr lang="en-US"/>
           </a:p>
@@ -1996,7 +1997,7 @@
           <a:p>
             <a:fld id="{34CE6E5E-721A-4650-9A35-32A694A0BC53}" type="datetimeFigureOut">
               <a:rPr lang="en-US" smtClean="0"/>
-              <a:t>5/19/2023</a:t>
+              <a:t>5/20/2023</a:t>
             </a:fld>
             <a:endParaRPr lang="en-US"/>
           </a:p>
@@ -2122,7 +2123,7 @@
           <a:p>
             <a:fld id="{34CE6E5E-721A-4650-9A35-32A694A0BC53}" type="datetimeFigureOut">
               <a:rPr lang="en-US" smtClean="0"/>
-              <a:t>5/19/2023</a:t>
+              <a:t>5/20/2023</a:t>
             </a:fld>
             <a:endParaRPr lang="en-US"/>
           </a:p>
@@ -2373,7 +2374,7 @@
           <a:p>
             <a:fld id="{34CE6E5E-721A-4650-9A35-32A694A0BC53}" type="datetimeFigureOut">
               <a:rPr lang="en-US" smtClean="0"/>
-              <a:t>5/19/2023</a:t>
+              <a:t>5/20/2023</a:t>
             </a:fld>
             <a:endParaRPr lang="en-US"/>
           </a:p>
@@ -2818,7 +2819,7 @@
           <a:p>
             <a:fld id="{34CE6E5E-721A-4650-9A35-32A694A0BC53}" type="datetimeFigureOut">
               <a:rPr lang="en-US" smtClean="0"/>
-              <a:t>5/19/2023</a:t>
+              <a:t>5/20/2023</a:t>
             </a:fld>
             <a:endParaRPr lang="en-US"/>
           </a:p>
@@ -3145,7 +3146,7 @@
           <a:p>
             <a:fld id="{34CE6E5E-721A-4650-9A35-32A694A0BC53}" type="datetimeFigureOut">
               <a:rPr lang="en-US" smtClean="0"/>
-              <a:t>5/19/2023</a:t>
+              <a:t>5/20/2023</a:t>
             </a:fld>
             <a:endParaRPr lang="en-US"/>
           </a:p>
@@ -3776,6 +3777,45 @@
             </a:r>
           </a:p>
           <a:p>
+            <a:r>
+              <a:rPr lang="en-US" dirty="0"/>
+              <a:t>Home buyers want good value on their purchase.</a:t>
+            </a:r>
+          </a:p>
+          <a:p>
+            <a:r>
+              <a:rPr lang="en-US" dirty="0"/>
+              <a:t>Home sellers want to maximize profit on their sale.</a:t>
+            </a:r>
+          </a:p>
+          <a:p>
+            <a:r>
+              <a:rPr lang="en-US" dirty="0"/>
+              <a:t>A large dataset of houses with key features, locations, and prices has been made available, but these questions remain: </a:t>
+            </a:r>
+          </a:p>
+          <a:p>
+            <a:pPr lvl="1"/>
+            <a:r>
+              <a:rPr lang="en-US" dirty="0"/>
+              <a:t>Can house prices be predicted given a set of features or are there other factors?</a:t>
+            </a:r>
+          </a:p>
+          <a:p>
+            <a:pPr lvl="1"/>
+            <a:r>
+              <a:rPr lang="en-US" dirty="0"/>
+              <a:t>How correlated are the features of a house and the location to the sale price of the house?</a:t>
+            </a:r>
+          </a:p>
+          <a:p>
+            <a:pPr lvl="1"/>
+            <a:r>
+              <a:rPr lang="en-US" dirty="0"/>
+              <a:t>Is there a market pattern that arises when a large dataset is analyzed?</a:t>
+            </a:r>
+          </a:p>
+          <a:p>
             <a:pPr lvl="1"/>
             <a:r>
               <a:rPr lang="en-US" dirty="0"/>
@@ -3783,43 +3823,8 @@
             </a:r>
           </a:p>
           <a:p>
-            <a:r>
-              <a:rPr lang="en-US" dirty="0"/>
-              <a:t>Home buyers want good value on their purchase.</a:t>
-            </a:r>
-          </a:p>
-          <a:p>
-            <a:r>
-              <a:rPr lang="en-US" dirty="0"/>
-              <a:t>Home sellers want to maximize profit on their sale.</a:t>
-            </a:r>
-          </a:p>
-          <a:p>
-            <a:r>
-              <a:rPr lang="en-US" dirty="0"/>
-              <a:t>A large dataset of houses with key features, locations, and prices has been made available, but these questions remain: </a:t>
-            </a:r>
-          </a:p>
-          <a:p>
             <a:pPr lvl="1"/>
-            <a:r>
-              <a:rPr lang="en-US" dirty="0"/>
-              <a:t>Can house prices be predicted given a set of features or are there other factors?</a:t>
-            </a:r>
-          </a:p>
-          <a:p>
-            <a:pPr lvl="1"/>
-            <a:r>
-              <a:rPr lang="en-US" dirty="0"/>
-              <a:t>How correlated are the features of a house and the location to the sale price of the house?</a:t>
-            </a:r>
-          </a:p>
-          <a:p>
-            <a:pPr lvl="1"/>
-            <a:r>
-              <a:rPr lang="en-US" dirty="0"/>
-              <a:t>Is there a market pattern that arises when a large dataset is analyzed?</a:t>
-            </a:r>
+            <a:endParaRPr lang="en-US" dirty="0"/>
           </a:p>
           <a:p>
             <a:endParaRPr lang="en-US" dirty="0"/>
@@ -4069,20 +4074,52 @@
           <a:p>
             <a:pPr lvl="1" fontAlgn="base"/>
             <a:r>
+              <a:rPr lang="en-US" dirty="0">
+                <a:latin typeface="inherit"/>
+              </a:rPr>
+              <a:t>S</a:t>
+            </a:r>
+            <a:r>
               <a:rPr lang="en-US" b="0" i="0" dirty="0">
                 <a:effectLst/>
                 <a:latin typeface="inherit"/>
               </a:rPr>
-              <a:t>status (Housing status - a. ready for sale or b. ready to build)</a:t>
-            </a:r>
-          </a:p>
-          <a:p>
-            <a:pPr lvl="1" fontAlgn="base"/>
+              <a:t>tatus (Ready for </a:t>
+            </a:r>
             <a:r>
               <a:rPr lang="en-US" dirty="0">
                 <a:latin typeface="inherit"/>
               </a:rPr>
-              <a:t>Number of bedrooms</a:t>
+              <a:t>S</a:t>
+            </a:r>
+            <a:r>
+              <a:rPr lang="en-US" b="0" i="0" dirty="0">
+                <a:effectLst/>
+                <a:latin typeface="inherit"/>
+              </a:rPr>
+              <a:t>ale or </a:t>
+            </a:r>
+            <a:r>
+              <a:rPr lang="en-US" dirty="0">
+                <a:latin typeface="inherit"/>
+              </a:rPr>
+              <a:t>R</a:t>
+            </a:r>
+            <a:r>
+              <a:rPr lang="en-US" b="0" i="0" dirty="0">
+                <a:effectLst/>
+                <a:latin typeface="inherit"/>
+              </a:rPr>
+              <a:t>eady to Build)</a:t>
+            </a:r>
+          </a:p>
+          <a:p>
+            <a:pPr lvl="1" fontAlgn="base"/>
+            <a:r>
+              <a:rPr lang="en-US" dirty="0">
+                <a:latin typeface="inherit"/>
+              </a:rPr>
+              <a:t>Number of Bedrooms</a:t>
             </a:r>
             <a:endParaRPr lang="en-US" b="0" i="0" dirty="0">
               <a:effectLst/>
@@ -4095,7 +4132,7 @@
               <a:rPr lang="en-US" dirty="0">
                 <a:latin typeface="inherit"/>
               </a:rPr>
-              <a:t>Number of bathrooms</a:t>
+              <a:t>Number of Bathrooms</a:t>
             </a:r>
             <a:endParaRPr lang="en-US" b="0" i="0" dirty="0">
               <a:effectLst/>
@@ -4109,7 +4146,7 @@
                 <a:effectLst/>
                 <a:latin typeface="inherit"/>
               </a:rPr>
-              <a:t>Land size in acres</a:t>
+              <a:t>Land Size in Acres</a:t>
             </a:r>
           </a:p>
           <a:p>
@@ -4145,40 +4182,36 @@
                 <a:effectLst/>
                 <a:latin typeface="inherit"/>
               </a:rPr>
-              <a:t>Zip code</a:t>
-            </a:r>
-          </a:p>
-          <a:p>
-            <a:pPr lvl="1" fontAlgn="base"/>
+              <a:t>Zip </a:t>
+            </a:r>
             <a:r>
               <a:rPr lang="en-US" dirty="0">
                 <a:latin typeface="inherit"/>
               </a:rPr>
-              <a:t>House size </a:t>
+              <a:t>Co</a:t>
             </a:r>
             <a:r>
               <a:rPr lang="en-US" b="0" i="0" dirty="0">
                 <a:effectLst/>
                 <a:latin typeface="inherit"/>
               </a:rPr>
-              <a:t>in square feet</a:t>
+              <a:t>de</a:t>
             </a:r>
           </a:p>
           <a:p>
             <a:pPr lvl="1" fontAlgn="base"/>
             <a:r>
-              <a:rPr lang="en-US" b="0" i="0" dirty="0" err="1">
-                <a:effectLst/>
+              <a:rPr lang="en-US" dirty="0">
                 <a:latin typeface="inherit"/>
               </a:rPr>
-              <a:t>prev_sold_date</a:t>
+              <a:t>House Size </a:t>
             </a:r>
             <a:r>
               <a:rPr lang="en-US" b="0" i="0" dirty="0">
                 <a:effectLst/>
                 <a:latin typeface="inherit"/>
               </a:rPr>
-              <a:t> (Previously sold date)</a:t>
+              <a:t>in Square Feet</a:t>
             </a:r>
           </a:p>
           <a:p>
@@ -4188,7 +4221,49 @@
                 <a:effectLst/>
                 <a:latin typeface="inherit"/>
               </a:rPr>
-              <a:t>price (Housing price, it is either the current listing price or recently sold price if the house is sold recently)</a:t>
+              <a:t>Previously </a:t>
+            </a:r>
+            <a:r>
+              <a:rPr lang="en-US" dirty="0">
+                <a:latin typeface="inherit"/>
+              </a:rPr>
+              <a:t>S</a:t>
+            </a:r>
+            <a:r>
+              <a:rPr lang="en-US" b="0" i="0" dirty="0">
+                <a:effectLst/>
+                <a:latin typeface="inherit"/>
+              </a:rPr>
+              <a:t>old </a:t>
+            </a:r>
+            <a:r>
+              <a:rPr lang="en-US" dirty="0">
+                <a:latin typeface="inherit"/>
+              </a:rPr>
+              <a:t>D</a:t>
+            </a:r>
+            <a:r>
+              <a:rPr lang="en-US" b="0" i="0" dirty="0">
+                <a:effectLst/>
+                <a:latin typeface="inherit"/>
+              </a:rPr>
+              <a:t>ate</a:t>
+            </a:r>
+          </a:p>
+          <a:p>
+            <a:pPr lvl="1" fontAlgn="base"/>
+            <a:r>
+              <a:rPr lang="en-US" dirty="0">
+                <a:latin typeface="inherit"/>
+              </a:rPr>
+              <a:t>Housing P</a:t>
+            </a:r>
+            <a:r>
+              <a:rPr lang="en-US" b="0" i="0" dirty="0">
+                <a:effectLst/>
+                <a:latin typeface="inherit"/>
+              </a:rPr>
+              <a:t>rice (it is either the current listing price or recently sold price if the house is sold recently)</a:t>
             </a:r>
           </a:p>
           <a:p>
@@ -4250,7 +4325,7 @@
           <a:p>
             <a:r>
               <a:rPr lang="en-US" dirty="0"/>
-              <a:t>Preparing the data</a:t>
+              <a:t>About the dataset</a:t>
             </a:r>
           </a:p>
         </p:txBody>
@@ -4271,31 +4346,618 @@
             <p:ph idx="1"/>
           </p:nvPr>
         </p:nvSpPr>
-        <p:spPr/>
-        <p:txBody>
-          <a:bodyPr/>
-          <a:lstStyle/>
-          <a:p>
-            <a:r>
-              <a:rPr lang="en-US" dirty="0"/>
-              <a:t>Categorical values like city and state will be one-hot encoded split into columns with binary values based on which of the possible locations a house is located in.</a:t>
-            </a:r>
-          </a:p>
-          <a:p>
-            <a:r>
-              <a:rPr lang="en-US" dirty="0"/>
-              <a:t>The dataset will be randomized and split 2/3 for training and 1/3 for validation.</a:t>
-            </a:r>
-          </a:p>
-          <a:p>
+        <p:spPr>
+          <a:xfrm>
+            <a:off x="807249" y="2033487"/>
+            <a:ext cx="3786246" cy="3450613"/>
+          </a:xfrm>
+        </p:spPr>
+        <p:txBody>
+          <a:bodyPr>
+            <a:normAutofit/>
+          </a:bodyPr>
+          <a:lstStyle/>
+          <a:p>
+            <a:pPr marL="457200" lvl="1" indent="0" algn="ctr">
+              <a:buNone/>
+            </a:pPr>
+            <a:r>
+              <a:rPr lang="en-US" b="1" u="sng" dirty="0"/>
+              <a:t>Categorical – Nominal </a:t>
+            </a:r>
+          </a:p>
+          <a:p>
+            <a:pPr lvl="1" algn="ctr"/>
+            <a:r>
+              <a:rPr lang="en-US" sz="1600" dirty="0"/>
+              <a:t>Status</a:t>
+            </a:r>
+          </a:p>
+          <a:p>
+            <a:pPr lvl="1" algn="ctr"/>
+            <a:r>
+              <a:rPr lang="en-US" sz="1600" dirty="0"/>
+              <a:t>City</a:t>
+            </a:r>
+          </a:p>
+          <a:p>
+            <a:pPr lvl="1" algn="ctr"/>
+            <a:r>
+              <a:rPr lang="en-US" sz="1600" dirty="0"/>
+              <a:t>State</a:t>
+            </a:r>
+          </a:p>
+          <a:p>
+            <a:pPr lvl="1" algn="ctr"/>
+            <a:r>
+              <a:rPr lang="en-US" sz="1600" dirty="0"/>
+              <a:t>Zip Code</a:t>
+            </a:r>
+          </a:p>
+          <a:p>
+            <a:pPr lvl="1" algn="ctr"/>
+            <a:r>
+              <a:rPr lang="en-US" sz="1600" dirty="0"/>
+              <a:t>Previously Sold Date</a:t>
+            </a:r>
+          </a:p>
+        </p:txBody>
+      </p:sp>
+      <p:sp>
+        <p:nvSpPr>
+          <p:cNvPr id="6" name="Content Placeholder 2">
+            <a:extLst>
+              <a:ext uri="{FF2B5EF4-FFF2-40B4-BE49-F238E27FC236}">
+                <a16:creationId xmlns:a16="http://schemas.microsoft.com/office/drawing/2014/main" id="{1C708003-638E-2415-63DC-A62116268342}"/>
+              </a:ext>
+            </a:extLst>
+          </p:cNvPr>
+          <p:cNvSpPr txBox="1">
+            <a:spLocks/>
+          </p:cNvSpPr>
+          <p:nvPr/>
+        </p:nvSpPr>
+        <p:spPr>
+          <a:xfrm>
+            <a:off x="3905475" y="2033487"/>
+            <a:ext cx="3786246" cy="3450613"/>
+          </a:xfrm>
+          <a:prstGeom prst="rect">
+            <a:avLst/>
+          </a:prstGeom>
+        </p:spPr>
+        <p:txBody>
+          <a:bodyPr vert="horz" lIns="91440" tIns="45720" rIns="91440" bIns="45720" rtlCol="0" anchor="t">
+            <a:normAutofit/>
+          </a:bodyPr>
+          <a:lstStyle>
+            <a:lvl1pPr marL="228600" indent="-228600" algn="l" defTabSz="914400" rtl="0" eaLnBrk="1" latinLnBrk="0" hangingPunct="1">
+              <a:lnSpc>
+                <a:spcPct val="120000"/>
+              </a:lnSpc>
+              <a:spcBef>
+                <a:spcPts val="1000"/>
+              </a:spcBef>
+              <a:buClr>
+                <a:schemeClr val="accent1"/>
+              </a:buClr>
+              <a:buSzPct val="100000"/>
+              <a:buFont typeface="Arial" panose="020B0604020202020204" pitchFamily="34" charset="0"/>
+              <a:buChar char="•"/>
+              <a:defRPr sz="2000" kern="1200">
+                <a:solidFill>
+                  <a:schemeClr val="tx1"/>
+                </a:solidFill>
+                <a:effectLst/>
+                <a:latin typeface="+mn-lt"/>
+                <a:ea typeface="+mn-ea"/>
+                <a:cs typeface="+mn-cs"/>
+              </a:defRPr>
+            </a:lvl1pPr>
+            <a:lvl2pPr marL="685800" indent="-228600" algn="l" defTabSz="914400" rtl="0" eaLnBrk="1" latinLnBrk="0" hangingPunct="1">
+              <a:lnSpc>
+                <a:spcPct val="120000"/>
+              </a:lnSpc>
+              <a:spcBef>
+                <a:spcPts val="500"/>
+              </a:spcBef>
+              <a:buClr>
+                <a:schemeClr val="accent1"/>
+              </a:buClr>
+              <a:buSzPct val="100000"/>
+              <a:buFont typeface="Arial" panose="020B0604020202020204" pitchFamily="34" charset="0"/>
+              <a:buChar char="•"/>
+              <a:defRPr sz="1800" kern="1200" cap="none" baseline="0">
+                <a:solidFill>
+                  <a:schemeClr val="tx1"/>
+                </a:solidFill>
+                <a:effectLst/>
+                <a:latin typeface="+mn-lt"/>
+                <a:ea typeface="+mn-ea"/>
+                <a:cs typeface="+mn-cs"/>
+              </a:defRPr>
+            </a:lvl2pPr>
+            <a:lvl3pPr marL="1143000" indent="-228600" algn="l" defTabSz="914400" rtl="0" eaLnBrk="1" latinLnBrk="0" hangingPunct="1">
+              <a:lnSpc>
+                <a:spcPct val="120000"/>
+              </a:lnSpc>
+              <a:spcBef>
+                <a:spcPts val="500"/>
+              </a:spcBef>
+              <a:buClr>
+                <a:schemeClr val="accent1"/>
+              </a:buClr>
+              <a:buSzPct val="100000"/>
+              <a:buFont typeface="Arial" panose="020B0604020202020204" pitchFamily="34" charset="0"/>
+              <a:buChar char="•"/>
+              <a:defRPr sz="1600" kern="1200">
+                <a:solidFill>
+                  <a:schemeClr val="tx1"/>
+                </a:solidFill>
+                <a:effectLst/>
+                <a:latin typeface="+mn-lt"/>
+                <a:ea typeface="+mn-ea"/>
+                <a:cs typeface="+mn-cs"/>
+              </a:defRPr>
+            </a:lvl3pPr>
+            <a:lvl4pPr marL="1600200" indent="-228600" algn="l" defTabSz="914400" rtl="0" eaLnBrk="1" latinLnBrk="0" hangingPunct="1">
+              <a:lnSpc>
+                <a:spcPct val="120000"/>
+              </a:lnSpc>
+              <a:spcBef>
+                <a:spcPts val="500"/>
+              </a:spcBef>
+              <a:buClr>
+                <a:schemeClr val="accent1"/>
+              </a:buClr>
+              <a:buSzPct val="100000"/>
+              <a:buFont typeface="Arial" panose="020B0604020202020204" pitchFamily="34" charset="0"/>
+              <a:buChar char="•"/>
+              <a:defRPr sz="1400" kern="1200" cap="none" baseline="0">
+                <a:solidFill>
+                  <a:schemeClr val="tx1"/>
+                </a:solidFill>
+                <a:effectLst/>
+                <a:latin typeface="+mn-lt"/>
+                <a:ea typeface="+mn-ea"/>
+                <a:cs typeface="+mn-cs"/>
+              </a:defRPr>
+            </a:lvl4pPr>
+            <a:lvl5pPr marL="2057400" indent="-228600" algn="l" defTabSz="914400" rtl="0" eaLnBrk="1" latinLnBrk="0" hangingPunct="1">
+              <a:lnSpc>
+                <a:spcPct val="120000"/>
+              </a:lnSpc>
+              <a:spcBef>
+                <a:spcPts val="500"/>
+              </a:spcBef>
+              <a:buClr>
+                <a:schemeClr val="accent1"/>
+              </a:buClr>
+              <a:buSzPct val="100000"/>
+              <a:buFont typeface="Arial" panose="020B0604020202020204" pitchFamily="34" charset="0"/>
+              <a:buChar char="•"/>
+              <a:defRPr sz="1200" kern="1200">
+                <a:solidFill>
+                  <a:schemeClr val="tx1"/>
+                </a:solidFill>
+                <a:effectLst/>
+                <a:latin typeface="+mn-lt"/>
+                <a:ea typeface="+mn-ea"/>
+                <a:cs typeface="+mn-cs"/>
+              </a:defRPr>
+            </a:lvl5pPr>
+            <a:lvl6pPr marL="2514600" indent="-228600" algn="l" defTabSz="914400" rtl="0" eaLnBrk="1" latinLnBrk="0" hangingPunct="1">
+              <a:lnSpc>
+                <a:spcPct val="120000"/>
+              </a:lnSpc>
+              <a:spcBef>
+                <a:spcPts val="500"/>
+              </a:spcBef>
+              <a:buClr>
+                <a:schemeClr val="accent1"/>
+              </a:buClr>
+              <a:buSzPct val="100000"/>
+              <a:buFont typeface="Arial" panose="020B0604020202020204" pitchFamily="34" charset="0"/>
+              <a:buChar char="•"/>
+              <a:defRPr sz="1200" kern="1200">
+                <a:solidFill>
+                  <a:schemeClr val="tx1"/>
+                </a:solidFill>
+                <a:effectLst/>
+                <a:latin typeface="+mn-lt"/>
+                <a:ea typeface="+mn-ea"/>
+                <a:cs typeface="+mn-cs"/>
+              </a:defRPr>
+            </a:lvl6pPr>
+            <a:lvl7pPr marL="2971800" indent="-228600" algn="l" defTabSz="914400" rtl="0" eaLnBrk="1" latinLnBrk="0" hangingPunct="1">
+              <a:lnSpc>
+                <a:spcPct val="120000"/>
+              </a:lnSpc>
+              <a:spcBef>
+                <a:spcPts val="500"/>
+              </a:spcBef>
+              <a:buClr>
+                <a:schemeClr val="accent1"/>
+              </a:buClr>
+              <a:buSzPct val="100000"/>
+              <a:buFont typeface="Arial" panose="020B0604020202020204" pitchFamily="34" charset="0"/>
+              <a:buChar char="•"/>
+              <a:defRPr sz="1200" kern="1200">
+                <a:solidFill>
+                  <a:schemeClr val="tx1"/>
+                </a:solidFill>
+                <a:effectLst/>
+                <a:latin typeface="+mn-lt"/>
+                <a:ea typeface="+mn-ea"/>
+                <a:cs typeface="+mn-cs"/>
+              </a:defRPr>
+            </a:lvl7pPr>
+            <a:lvl8pPr marL="3429000" indent="-228600" algn="l" defTabSz="914400" rtl="0" eaLnBrk="1" latinLnBrk="0" hangingPunct="1">
+              <a:lnSpc>
+                <a:spcPct val="120000"/>
+              </a:lnSpc>
+              <a:spcBef>
+                <a:spcPts val="500"/>
+              </a:spcBef>
+              <a:buClr>
+                <a:schemeClr val="accent1"/>
+              </a:buClr>
+              <a:buSzPct val="100000"/>
+              <a:buFont typeface="Arial" panose="020B0604020202020204" pitchFamily="34" charset="0"/>
+              <a:buChar char="•"/>
+              <a:defRPr sz="1200" kern="1200" baseline="0">
+                <a:solidFill>
+                  <a:schemeClr val="tx1"/>
+                </a:solidFill>
+                <a:effectLst/>
+                <a:latin typeface="+mn-lt"/>
+                <a:ea typeface="+mn-ea"/>
+                <a:cs typeface="+mn-cs"/>
+              </a:defRPr>
+            </a:lvl8pPr>
+            <a:lvl9pPr marL="3886200" indent="-228600" algn="l" defTabSz="914400" rtl="0" eaLnBrk="1" latinLnBrk="0" hangingPunct="1">
+              <a:lnSpc>
+                <a:spcPct val="120000"/>
+              </a:lnSpc>
+              <a:spcBef>
+                <a:spcPts val="500"/>
+              </a:spcBef>
+              <a:buClr>
+                <a:schemeClr val="accent1"/>
+              </a:buClr>
+              <a:buSzPct val="100000"/>
+              <a:buFont typeface="Arial" panose="020B0604020202020204" pitchFamily="34" charset="0"/>
+              <a:buChar char="•"/>
+              <a:defRPr sz="1200" kern="1200" baseline="0">
+                <a:solidFill>
+                  <a:schemeClr val="tx1"/>
+                </a:solidFill>
+                <a:effectLst/>
+                <a:latin typeface="+mn-lt"/>
+                <a:ea typeface="+mn-ea"/>
+                <a:cs typeface="+mn-cs"/>
+              </a:defRPr>
+            </a:lvl9pPr>
+          </a:lstStyle>
+          <a:p>
+            <a:pPr marL="457200" lvl="1" indent="0" algn="ctr">
+              <a:buNone/>
+            </a:pPr>
+            <a:r>
+              <a:rPr lang="en-US" b="1" u="sng" dirty="0"/>
+              <a:t>Categorical – Ordinal</a:t>
+            </a:r>
+          </a:p>
+          <a:p>
+            <a:pPr lvl="1" algn="ctr"/>
+            <a:r>
+              <a:rPr lang="en-US" sz="1600" dirty="0"/>
+              <a:t>Number of Bedrooms</a:t>
+            </a:r>
+          </a:p>
+          <a:p>
+            <a:pPr lvl="1" algn="ctr"/>
+            <a:r>
+              <a:rPr lang="en-US" sz="1600" dirty="0"/>
+              <a:t>Number of Bathrooms</a:t>
+            </a:r>
+          </a:p>
+          <a:p>
+            <a:pPr lvl="1" algn="ctr"/>
+            <a:endParaRPr lang="en-US" sz="1600" dirty="0"/>
+          </a:p>
+          <a:p>
+            <a:pPr lvl="1" algn="ctr"/>
+            <a:endParaRPr lang="en-US" sz="1600" dirty="0"/>
+          </a:p>
+        </p:txBody>
+      </p:sp>
+      <p:sp>
+        <p:nvSpPr>
+          <p:cNvPr id="7" name="Content Placeholder 2">
+            <a:extLst>
+              <a:ext uri="{FF2B5EF4-FFF2-40B4-BE49-F238E27FC236}">
+                <a16:creationId xmlns:a16="http://schemas.microsoft.com/office/drawing/2014/main" id="{58D6D1F7-FA66-FF01-0C1C-E7C3A4BBCA25}"/>
+              </a:ext>
+            </a:extLst>
+          </p:cNvPr>
+          <p:cNvSpPr txBox="1">
+            <a:spLocks/>
+          </p:cNvSpPr>
+          <p:nvPr/>
+        </p:nvSpPr>
+        <p:spPr>
+          <a:xfrm>
+            <a:off x="6951215" y="2025611"/>
+            <a:ext cx="3563524" cy="3424481"/>
+          </a:xfrm>
+          <a:prstGeom prst="rect">
+            <a:avLst/>
+          </a:prstGeom>
+        </p:spPr>
+        <p:txBody>
+          <a:bodyPr vert="horz" lIns="91440" tIns="45720" rIns="91440" bIns="45720" rtlCol="0" anchor="t">
+            <a:normAutofit/>
+          </a:bodyPr>
+          <a:lstStyle>
+            <a:lvl1pPr marL="228600" indent="-228600" algn="l" defTabSz="914400" rtl="0" eaLnBrk="1" latinLnBrk="0" hangingPunct="1">
+              <a:lnSpc>
+                <a:spcPct val="120000"/>
+              </a:lnSpc>
+              <a:spcBef>
+                <a:spcPts val="1000"/>
+              </a:spcBef>
+              <a:buClr>
+                <a:schemeClr val="accent1"/>
+              </a:buClr>
+              <a:buSzPct val="100000"/>
+              <a:buFont typeface="Arial" panose="020B0604020202020204" pitchFamily="34" charset="0"/>
+              <a:buChar char="•"/>
+              <a:defRPr sz="2000" kern="1200">
+                <a:solidFill>
+                  <a:schemeClr val="tx1"/>
+                </a:solidFill>
+                <a:effectLst/>
+                <a:latin typeface="+mn-lt"/>
+                <a:ea typeface="+mn-ea"/>
+                <a:cs typeface="+mn-cs"/>
+              </a:defRPr>
+            </a:lvl1pPr>
+            <a:lvl2pPr marL="685800" indent="-228600" algn="l" defTabSz="914400" rtl="0" eaLnBrk="1" latinLnBrk="0" hangingPunct="1">
+              <a:lnSpc>
+                <a:spcPct val="120000"/>
+              </a:lnSpc>
+              <a:spcBef>
+                <a:spcPts val="500"/>
+              </a:spcBef>
+              <a:buClr>
+                <a:schemeClr val="accent1"/>
+              </a:buClr>
+              <a:buSzPct val="100000"/>
+              <a:buFont typeface="Arial" panose="020B0604020202020204" pitchFamily="34" charset="0"/>
+              <a:buChar char="•"/>
+              <a:defRPr sz="1800" kern="1200" cap="none" baseline="0">
+                <a:solidFill>
+                  <a:schemeClr val="tx1"/>
+                </a:solidFill>
+                <a:effectLst/>
+                <a:latin typeface="+mn-lt"/>
+                <a:ea typeface="+mn-ea"/>
+                <a:cs typeface="+mn-cs"/>
+              </a:defRPr>
+            </a:lvl2pPr>
+            <a:lvl3pPr marL="1143000" indent="-228600" algn="l" defTabSz="914400" rtl="0" eaLnBrk="1" latinLnBrk="0" hangingPunct="1">
+              <a:lnSpc>
+                <a:spcPct val="120000"/>
+              </a:lnSpc>
+              <a:spcBef>
+                <a:spcPts val="500"/>
+              </a:spcBef>
+              <a:buClr>
+                <a:schemeClr val="accent1"/>
+              </a:buClr>
+              <a:buSzPct val="100000"/>
+              <a:buFont typeface="Arial" panose="020B0604020202020204" pitchFamily="34" charset="0"/>
+              <a:buChar char="•"/>
+              <a:defRPr sz="1600" kern="1200">
+                <a:solidFill>
+                  <a:schemeClr val="tx1"/>
+                </a:solidFill>
+                <a:effectLst/>
+                <a:latin typeface="+mn-lt"/>
+                <a:ea typeface="+mn-ea"/>
+                <a:cs typeface="+mn-cs"/>
+              </a:defRPr>
+            </a:lvl3pPr>
+            <a:lvl4pPr marL="1600200" indent="-228600" algn="l" defTabSz="914400" rtl="0" eaLnBrk="1" latinLnBrk="0" hangingPunct="1">
+              <a:lnSpc>
+                <a:spcPct val="120000"/>
+              </a:lnSpc>
+              <a:spcBef>
+                <a:spcPts val="500"/>
+              </a:spcBef>
+              <a:buClr>
+                <a:schemeClr val="accent1"/>
+              </a:buClr>
+              <a:buSzPct val="100000"/>
+              <a:buFont typeface="Arial" panose="020B0604020202020204" pitchFamily="34" charset="0"/>
+              <a:buChar char="•"/>
+              <a:defRPr sz="1400" kern="1200" cap="none" baseline="0">
+                <a:solidFill>
+                  <a:schemeClr val="tx1"/>
+                </a:solidFill>
+                <a:effectLst/>
+                <a:latin typeface="+mn-lt"/>
+                <a:ea typeface="+mn-ea"/>
+                <a:cs typeface="+mn-cs"/>
+              </a:defRPr>
+            </a:lvl4pPr>
+            <a:lvl5pPr marL="2057400" indent="-228600" algn="l" defTabSz="914400" rtl="0" eaLnBrk="1" latinLnBrk="0" hangingPunct="1">
+              <a:lnSpc>
+                <a:spcPct val="120000"/>
+              </a:lnSpc>
+              <a:spcBef>
+                <a:spcPts val="500"/>
+              </a:spcBef>
+              <a:buClr>
+                <a:schemeClr val="accent1"/>
+              </a:buClr>
+              <a:buSzPct val="100000"/>
+              <a:buFont typeface="Arial" panose="020B0604020202020204" pitchFamily="34" charset="0"/>
+              <a:buChar char="•"/>
+              <a:defRPr sz="1200" kern="1200">
+                <a:solidFill>
+                  <a:schemeClr val="tx1"/>
+                </a:solidFill>
+                <a:effectLst/>
+                <a:latin typeface="+mn-lt"/>
+                <a:ea typeface="+mn-ea"/>
+                <a:cs typeface="+mn-cs"/>
+              </a:defRPr>
+            </a:lvl5pPr>
+            <a:lvl6pPr marL="2514600" indent="-228600" algn="l" defTabSz="914400" rtl="0" eaLnBrk="1" latinLnBrk="0" hangingPunct="1">
+              <a:lnSpc>
+                <a:spcPct val="120000"/>
+              </a:lnSpc>
+              <a:spcBef>
+                <a:spcPts val="500"/>
+              </a:spcBef>
+              <a:buClr>
+                <a:schemeClr val="accent1"/>
+              </a:buClr>
+              <a:buSzPct val="100000"/>
+              <a:buFont typeface="Arial" panose="020B0604020202020204" pitchFamily="34" charset="0"/>
+              <a:buChar char="•"/>
+              <a:defRPr sz="1200" kern="1200">
+                <a:solidFill>
+                  <a:schemeClr val="tx1"/>
+                </a:solidFill>
+                <a:effectLst/>
+                <a:latin typeface="+mn-lt"/>
+                <a:ea typeface="+mn-ea"/>
+                <a:cs typeface="+mn-cs"/>
+              </a:defRPr>
+            </a:lvl6pPr>
+            <a:lvl7pPr marL="2971800" indent="-228600" algn="l" defTabSz="914400" rtl="0" eaLnBrk="1" latinLnBrk="0" hangingPunct="1">
+              <a:lnSpc>
+                <a:spcPct val="120000"/>
+              </a:lnSpc>
+              <a:spcBef>
+                <a:spcPts val="500"/>
+              </a:spcBef>
+              <a:buClr>
+                <a:schemeClr val="accent1"/>
+              </a:buClr>
+              <a:buSzPct val="100000"/>
+              <a:buFont typeface="Arial" panose="020B0604020202020204" pitchFamily="34" charset="0"/>
+              <a:buChar char="•"/>
+              <a:defRPr sz="1200" kern="1200">
+                <a:solidFill>
+                  <a:schemeClr val="tx1"/>
+                </a:solidFill>
+                <a:effectLst/>
+                <a:latin typeface="+mn-lt"/>
+                <a:ea typeface="+mn-ea"/>
+                <a:cs typeface="+mn-cs"/>
+              </a:defRPr>
+            </a:lvl7pPr>
+            <a:lvl8pPr marL="3429000" indent="-228600" algn="l" defTabSz="914400" rtl="0" eaLnBrk="1" latinLnBrk="0" hangingPunct="1">
+              <a:lnSpc>
+                <a:spcPct val="120000"/>
+              </a:lnSpc>
+              <a:spcBef>
+                <a:spcPts val="500"/>
+              </a:spcBef>
+              <a:buClr>
+                <a:schemeClr val="accent1"/>
+              </a:buClr>
+              <a:buSzPct val="100000"/>
+              <a:buFont typeface="Arial" panose="020B0604020202020204" pitchFamily="34" charset="0"/>
+              <a:buChar char="•"/>
+              <a:defRPr sz="1200" kern="1200" baseline="0">
+                <a:solidFill>
+                  <a:schemeClr val="tx1"/>
+                </a:solidFill>
+                <a:effectLst/>
+                <a:latin typeface="+mn-lt"/>
+                <a:ea typeface="+mn-ea"/>
+                <a:cs typeface="+mn-cs"/>
+              </a:defRPr>
+            </a:lvl8pPr>
+            <a:lvl9pPr marL="3886200" indent="-228600" algn="l" defTabSz="914400" rtl="0" eaLnBrk="1" latinLnBrk="0" hangingPunct="1">
+              <a:lnSpc>
+                <a:spcPct val="120000"/>
+              </a:lnSpc>
+              <a:spcBef>
+                <a:spcPts val="500"/>
+              </a:spcBef>
+              <a:buClr>
+                <a:schemeClr val="accent1"/>
+              </a:buClr>
+              <a:buSzPct val="100000"/>
+              <a:buFont typeface="Arial" panose="020B0604020202020204" pitchFamily="34" charset="0"/>
+              <a:buChar char="•"/>
+              <a:defRPr sz="1200" kern="1200" baseline="0">
+                <a:solidFill>
+                  <a:schemeClr val="tx1"/>
+                </a:solidFill>
+                <a:effectLst/>
+                <a:latin typeface="+mn-lt"/>
+                <a:ea typeface="+mn-ea"/>
+                <a:cs typeface="+mn-cs"/>
+              </a:defRPr>
+            </a:lvl9pPr>
+          </a:lstStyle>
+          <a:p>
+            <a:pPr marL="457200" lvl="1" indent="0" algn="ctr">
+              <a:buNone/>
+            </a:pPr>
+            <a:r>
+              <a:rPr lang="en-US" b="1" u="sng" dirty="0"/>
+              <a:t>Continuous</a:t>
+            </a:r>
+          </a:p>
+          <a:p>
+            <a:pPr lvl="1" algn="ctr"/>
+            <a:r>
+              <a:rPr lang="en-US" sz="1600" dirty="0"/>
+              <a:t>Land Size</a:t>
+            </a:r>
+          </a:p>
+          <a:p>
+            <a:pPr lvl="1" algn="ctr"/>
+            <a:r>
+              <a:rPr lang="en-US" sz="1600" dirty="0"/>
+              <a:t>House Size</a:t>
+            </a:r>
+          </a:p>
+          <a:p>
+            <a:pPr lvl="1" algn="ctr"/>
+            <a:r>
+              <a:rPr lang="en-US" sz="1600" dirty="0"/>
+              <a:t>Price</a:t>
+            </a:r>
+          </a:p>
+          <a:p>
+            <a:pPr lvl="1" algn="ctr"/>
             <a:endParaRPr lang="en-US" dirty="0"/>
+          </a:p>
+          <a:p>
+            <a:pPr lvl="1" algn="ctr"/>
+            <a:endParaRPr lang="en-US" dirty="0"/>
+          </a:p>
+          <a:p>
+            <a:pPr marL="457200" lvl="1" indent="0" algn="ctr">
+              <a:buNone/>
+            </a:pPr>
+            <a:endParaRPr lang="en-US" b="1" u="sng" dirty="0"/>
           </a:p>
         </p:txBody>
       </p:sp>
     </p:spTree>
     <p:extLst>
       <p:ext uri="{BB962C8B-B14F-4D97-AF65-F5344CB8AC3E}">
-        <p14:creationId xmlns:p14="http://schemas.microsoft.com/office/powerpoint/2010/main" val="315699825"/>
+        <p14:creationId xmlns:p14="http://schemas.microsoft.com/office/powerpoint/2010/main" val="2737286501"/>
       </p:ext>
     </p:extLst>
   </p:cSld>
@@ -4345,6 +5007,101 @@
           <a:p>
             <a:r>
               <a:rPr lang="en-US" dirty="0"/>
+              <a:t>Preparing the data</a:t>
+            </a:r>
+          </a:p>
+        </p:txBody>
+      </p:sp>
+      <p:sp>
+        <p:nvSpPr>
+          <p:cNvPr id="3" name="Content Placeholder 2">
+            <a:extLst>
+              <a:ext uri="{FF2B5EF4-FFF2-40B4-BE49-F238E27FC236}">
+                <a16:creationId xmlns:a16="http://schemas.microsoft.com/office/drawing/2014/main" id="{C4294E2D-AE65-D1F8-4463-BCB4D61FB3E7}"/>
+              </a:ext>
+            </a:extLst>
+          </p:cNvPr>
+          <p:cNvSpPr>
+            <a:spLocks noGrp="1"/>
+          </p:cNvSpPr>
+          <p:nvPr>
+            <p:ph idx="1"/>
+          </p:nvPr>
+        </p:nvSpPr>
+        <p:spPr/>
+        <p:txBody>
+          <a:bodyPr/>
+          <a:lstStyle/>
+          <a:p>
+            <a:r>
+              <a:rPr lang="en-US" dirty="0"/>
+              <a:t>Categorical values like city and state will be one-hot encoded. split into columns with binary values based on which of the possible locations a house is located in.</a:t>
+            </a:r>
+          </a:p>
+          <a:p>
+            <a:r>
+              <a:rPr lang="en-US" dirty="0"/>
+              <a:t>The dataset will be randomized and split 2/3 for training and 1/3 for validation.</a:t>
+            </a:r>
+          </a:p>
+          <a:p>
+            <a:endParaRPr lang="en-US" dirty="0"/>
+          </a:p>
+        </p:txBody>
+      </p:sp>
+    </p:spTree>
+    <p:extLst>
+      <p:ext uri="{BB962C8B-B14F-4D97-AF65-F5344CB8AC3E}">
+        <p14:creationId xmlns:p14="http://schemas.microsoft.com/office/powerpoint/2010/main" val="315699825"/>
+      </p:ext>
+    </p:extLst>
+  </p:cSld>
+  <p:clrMapOvr>
+    <a:masterClrMapping/>
+  </p:clrMapOvr>
+</p:sld>
+</file>
+
+<file path=ppt/slides/slide7.xml><?xml version="1.0" encoding="utf-8"?>
+<p:sld xmlns:a="http://schemas.openxmlformats.org/drawingml/2006/main" xmlns:r="http://schemas.openxmlformats.org/officeDocument/2006/relationships" xmlns:p="http://schemas.openxmlformats.org/presentationml/2006/main">
+  <p:cSld>
+    <p:spTree>
+      <p:nvGrpSpPr>
+        <p:cNvPr id="1" name=""/>
+        <p:cNvGrpSpPr/>
+        <p:nvPr/>
+      </p:nvGrpSpPr>
+      <p:grpSpPr>
+        <a:xfrm>
+          <a:off x="0" y="0"/>
+          <a:ext cx="0" cy="0"/>
+          <a:chOff x="0" y="0"/>
+          <a:chExt cx="0" cy="0"/>
+        </a:xfrm>
+      </p:grpSpPr>
+      <p:sp>
+        <p:nvSpPr>
+          <p:cNvPr id="2" name="Title 1">
+            <a:extLst>
+              <a:ext uri="{FF2B5EF4-FFF2-40B4-BE49-F238E27FC236}">
+                <a16:creationId xmlns:a16="http://schemas.microsoft.com/office/drawing/2014/main" id="{AFB7CD5B-FD93-776A-32C3-80C79B2047C5}"/>
+              </a:ext>
+            </a:extLst>
+          </p:cNvPr>
+          <p:cNvSpPr>
+            <a:spLocks noGrp="1"/>
+          </p:cNvSpPr>
+          <p:nvPr>
+            <p:ph type="title"/>
+          </p:nvPr>
+        </p:nvSpPr>
+        <p:spPr/>
+        <p:txBody>
+          <a:bodyPr/>
+          <a:lstStyle/>
+          <a:p>
+            <a:r>
+              <a:rPr lang="en-US" dirty="0"/>
               <a:t>Approach</a:t>
             </a:r>
           </a:p>
@@ -4406,7 +5163,7 @@
 </p:sld>
 </file>
 
-<file path=ppt/slides/slide7.xml><?xml version="1.0" encoding="utf-8"?>
+<file path=ppt/slides/slide8.xml><?xml version="1.0" encoding="utf-8"?>
 <p:sld xmlns:a="http://schemas.openxmlformats.org/drawingml/2006/main" xmlns:r="http://schemas.openxmlformats.org/officeDocument/2006/relationships" xmlns:p="http://schemas.openxmlformats.org/presentationml/2006/main">
   <p:cSld>
     <p:spTree>

--- a/USA Real Estate Price Prediction_ryanedits.pptx
+++ b/USA Real Estate Price Prediction_ryanedits.pptx
@@ -7,12 +7,13 @@
   <p:sldIdLst>
     <p:sldId id="256" r:id="rId2"/>
     <p:sldId id="257" r:id="rId3"/>
-    <p:sldId id="259" r:id="rId4"/>
-    <p:sldId id="260" r:id="rId5"/>
-    <p:sldId id="263" r:id="rId6"/>
-    <p:sldId id="258" r:id="rId7"/>
-    <p:sldId id="261" r:id="rId8"/>
-    <p:sldId id="262" r:id="rId9"/>
+    <p:sldId id="264" r:id="rId4"/>
+    <p:sldId id="259" r:id="rId5"/>
+    <p:sldId id="260" r:id="rId6"/>
+    <p:sldId id="263" r:id="rId7"/>
+    <p:sldId id="258" r:id="rId8"/>
+    <p:sldId id="261" r:id="rId9"/>
+    <p:sldId id="262" r:id="rId10"/>
   </p:sldIdLst>
   <p:sldSz cx="12192000" cy="6858000"/>
   <p:notesSz cx="6858000" cy="9144000"/>
@@ -3767,7 +3768,7 @@
         <p:spPr/>
         <p:txBody>
           <a:bodyPr>
-            <a:normAutofit fontScale="85000" lnSpcReduction="10000"/>
+            <a:normAutofit/>
           </a:bodyPr>
           <a:lstStyle/>
           <a:p>
@@ -3787,44 +3788,6 @@
               <a:rPr lang="en-US" dirty="0"/>
               <a:t>Home sellers want to maximize profit on their sale.</a:t>
             </a:r>
-          </a:p>
-          <a:p>
-            <a:r>
-              <a:rPr lang="en-US" dirty="0"/>
-              <a:t>A large dataset of houses with key features, locations, and prices has been made available, but these questions remain: </a:t>
-            </a:r>
-          </a:p>
-          <a:p>
-            <a:pPr lvl="1"/>
-            <a:r>
-              <a:rPr lang="en-US" dirty="0"/>
-              <a:t>Can house prices be predicted given a set of features or are there other factors?</a:t>
-            </a:r>
-          </a:p>
-          <a:p>
-            <a:pPr lvl="1"/>
-            <a:r>
-              <a:rPr lang="en-US" dirty="0"/>
-              <a:t>How correlated are the features of a house and the location to the sale price of the house?</a:t>
-            </a:r>
-          </a:p>
-          <a:p>
-            <a:pPr lvl="1"/>
-            <a:r>
-              <a:rPr lang="en-US" dirty="0"/>
-              <a:t>Is there a market pattern that arises when a large dataset is analyzed?</a:t>
-            </a:r>
-          </a:p>
-          <a:p>
-            <a:pPr lvl="1"/>
-            <a:r>
-              <a:rPr lang="en-US" dirty="0"/>
-              <a:t>Can we determine a trend in real estate pricing based on historical data?</a:t>
-            </a:r>
-          </a:p>
-          <a:p>
-            <a:pPr lvl="1"/>
-            <a:endParaRPr lang="en-US" dirty="0"/>
           </a:p>
           <a:p>
             <a:endParaRPr lang="en-US" dirty="0"/>
@@ -3887,7 +3850,7 @@
           <a:p>
             <a:r>
               <a:rPr lang="en-US" dirty="0"/>
-              <a:t>Dataset source</a:t>
+              <a:t>Background</a:t>
             </a:r>
           </a:p>
         </p:txBody>
@@ -3910,85 +3873,60 @@
         </p:nvSpPr>
         <p:spPr/>
         <p:txBody>
-          <a:bodyPr/>
-          <a:lstStyle/>
-          <a:p>
-            <a:pPr fontAlgn="base"/>
-            <a:r>
-              <a:rPr lang="en-US" b="0" i="0" dirty="0">
-                <a:solidFill>
-                  <a:srgbClr val="3C4043"/>
-                </a:solidFill>
-                <a:effectLst/>
-                <a:latin typeface="inherit"/>
-              </a:rPr>
-              <a:t>The dataset was first collected from:</a:t>
-            </a:r>
-          </a:p>
-          <a:p>
-            <a:pPr lvl="1" fontAlgn="base"/>
-            <a:r>
-              <a:rPr lang="en-US" b="0" i="0" u="none" strike="noStrike" dirty="0">
-                <a:solidFill>
-                  <a:srgbClr val="202124"/>
-                </a:solidFill>
-                <a:effectLst/>
-                <a:latin typeface="inherit"/>
-                <a:hlinkClick r:id="rId2"/>
-              </a:rPr>
-              <a:t>https://www.realtor.com/</a:t>
-            </a:r>
-            <a:r>
-              <a:rPr lang="en-US" b="0" i="0" dirty="0">
-                <a:solidFill>
-                  <a:srgbClr val="3C4043"/>
-                </a:solidFill>
-                <a:effectLst/>
-                <a:latin typeface="inherit"/>
-              </a:rPr>
-              <a:t> - A real estate listing website operated by the News Corp subsidiary Move, Inc. and based in Santa Clara, California. It is the second most visited real estate listing website in the United States as of 2021, with over 100 million monthly active users.</a:t>
-            </a:r>
-          </a:p>
-          <a:p>
-            <a:pPr fontAlgn="base"/>
-            <a:r>
-              <a:rPr lang="en-US" b="0" i="0" dirty="0">
-                <a:solidFill>
-                  <a:srgbClr val="3C4043"/>
-                </a:solidFill>
-                <a:effectLst/>
-                <a:latin typeface="inherit"/>
-              </a:rPr>
-              <a:t>The dataset was made available through Kaggle:</a:t>
-            </a:r>
-          </a:p>
-          <a:p>
-            <a:pPr lvl="1" fontAlgn="base"/>
-            <a:r>
-              <a:rPr lang="en-US" b="0" i="0" dirty="0">
-                <a:solidFill>
-                  <a:srgbClr val="3C4043"/>
-                </a:solidFill>
-                <a:effectLst/>
-                <a:latin typeface="inherit"/>
-                <a:hlinkClick r:id="rId3"/>
-              </a:rPr>
-              <a:t>https://www.kaggle.com/datasets/ahmedshahriarsakib/usa-real-estate-dataset</a:t>
-            </a:r>
-            <a:endParaRPr lang="en-US" b="0" i="0" dirty="0">
-              <a:solidFill>
-                <a:srgbClr val="3C4043"/>
-              </a:solidFill>
-              <a:effectLst/>
-              <a:latin typeface="inherit"/>
-            </a:endParaRPr>
+          <a:bodyPr>
+            <a:normAutofit/>
+          </a:bodyPr>
+          <a:lstStyle/>
+          <a:p>
+            <a:r>
+              <a:rPr lang="en-US" dirty="0"/>
+              <a:t>A large dataset of houses with key features, locations, and prices has been made available, but these questions remain: </a:t>
+            </a:r>
+          </a:p>
+          <a:p>
+            <a:pPr lvl="1"/>
+            <a:r>
+              <a:rPr lang="en-US" dirty="0"/>
+              <a:t>Can house prices be predicted given a set of features or are there other factors?</a:t>
+            </a:r>
+          </a:p>
+          <a:p>
+            <a:pPr lvl="1"/>
+            <a:r>
+              <a:rPr lang="en-US" dirty="0"/>
+              <a:t>How correlated are the features of a house and the location to the sale price of the house?</a:t>
+            </a:r>
+          </a:p>
+          <a:p>
+            <a:pPr lvl="1"/>
+            <a:r>
+              <a:rPr lang="en-US" dirty="0"/>
+              <a:t>Is there a market pattern that arises when a large dataset is analyzed?</a:t>
+            </a:r>
+          </a:p>
+          <a:p>
+            <a:pPr lvl="1"/>
+            <a:r>
+              <a:rPr lang="en-US" dirty="0"/>
+              <a:t>Can we determine a trend in real estate pricing based on historical data?</a:t>
+            </a:r>
+          </a:p>
+          <a:p>
+            <a:pPr lvl="1"/>
+            <a:endParaRPr lang="en-US" dirty="0"/>
+          </a:p>
+          <a:p>
+            <a:endParaRPr lang="en-US" dirty="0"/>
+          </a:p>
+          <a:p>
+            <a:endParaRPr lang="en-US" dirty="0"/>
           </a:p>
         </p:txBody>
       </p:sp>
     </p:spTree>
     <p:extLst>
       <p:ext uri="{BB962C8B-B14F-4D97-AF65-F5344CB8AC3E}">
-        <p14:creationId xmlns:p14="http://schemas.microsoft.com/office/powerpoint/2010/main" val="2855183898"/>
+        <p14:creationId xmlns:p14="http://schemas.microsoft.com/office/powerpoint/2010/main" val="4290027827"/>
       </p:ext>
     </p:extLst>
   </p:cSld>
@@ -4038,7 +3976,7 @@
           <a:p>
             <a:r>
               <a:rPr lang="en-US" dirty="0"/>
-              <a:t>About the dataset</a:t>
+              <a:t>Dataset source</a:t>
             </a:r>
           </a:p>
         </p:txBody>
@@ -4061,6 +3999,123 @@
         </p:nvSpPr>
         <p:spPr/>
         <p:txBody>
+          <a:bodyPr/>
+          <a:lstStyle/>
+          <a:p>
+            <a:pPr fontAlgn="base"/>
+            <a:r>
+              <a:rPr lang="en-US" dirty="0"/>
+              <a:t>The dataset was first collected from:</a:t>
+            </a:r>
+          </a:p>
+          <a:p>
+            <a:pPr lvl="1" fontAlgn="base"/>
+            <a:r>
+              <a:rPr lang="en-US" dirty="0">
+                <a:hlinkClick r:id="rId2"/>
+              </a:rPr>
+              <a:t>https://www.realtor.com/</a:t>
+            </a:r>
+            <a:r>
+              <a:rPr lang="en-US" dirty="0"/>
+              <a:t> - A real estate listing website operated by the News Corp subsidiary Move, Inc. and based in Santa Clara, California. It is the second most visited real estate listing website in the United States as of 2021, with over 100 million monthly active users.</a:t>
+            </a:r>
+          </a:p>
+          <a:p>
+            <a:pPr fontAlgn="base"/>
+            <a:r>
+              <a:rPr lang="en-US" dirty="0"/>
+              <a:t>The dataset was made available through Kaggle:</a:t>
+            </a:r>
+          </a:p>
+          <a:p>
+            <a:pPr lvl="1" fontAlgn="base"/>
+            <a:r>
+              <a:rPr lang="en-US" dirty="0">
+                <a:hlinkClick r:id="rId3"/>
+              </a:rPr>
+              <a:t>https://www.kaggle.com/datasets/ahmedshahriarsakib/usa-real-estate-dataset</a:t>
+            </a:r>
+            <a:endParaRPr lang="en-US" dirty="0"/>
+          </a:p>
+        </p:txBody>
+      </p:sp>
+    </p:spTree>
+    <p:extLst>
+      <p:ext uri="{BB962C8B-B14F-4D97-AF65-F5344CB8AC3E}">
+        <p14:creationId xmlns:p14="http://schemas.microsoft.com/office/powerpoint/2010/main" val="2855183898"/>
+      </p:ext>
+    </p:extLst>
+  </p:cSld>
+  <p:clrMapOvr>
+    <a:masterClrMapping/>
+  </p:clrMapOvr>
+</p:sld>
+</file>
+
+<file path=ppt/slides/slide5.xml><?xml version="1.0" encoding="utf-8"?>
+<p:sld xmlns:a="http://schemas.openxmlformats.org/drawingml/2006/main" xmlns:r="http://schemas.openxmlformats.org/officeDocument/2006/relationships" xmlns:p="http://schemas.openxmlformats.org/presentationml/2006/main">
+  <p:cSld>
+    <p:spTree>
+      <p:nvGrpSpPr>
+        <p:cNvPr id="1" name=""/>
+        <p:cNvGrpSpPr/>
+        <p:nvPr/>
+      </p:nvGrpSpPr>
+      <p:grpSpPr>
+        <a:xfrm>
+          <a:off x="0" y="0"/>
+          <a:ext cx="0" cy="0"/>
+          <a:chOff x="0" y="0"/>
+          <a:chExt cx="0" cy="0"/>
+        </a:xfrm>
+      </p:grpSpPr>
+      <p:sp>
+        <p:nvSpPr>
+          <p:cNvPr id="2" name="Title 1">
+            <a:extLst>
+              <a:ext uri="{FF2B5EF4-FFF2-40B4-BE49-F238E27FC236}">
+                <a16:creationId xmlns:a16="http://schemas.microsoft.com/office/drawing/2014/main" id="{AFB7CD5B-FD93-776A-32C3-80C79B2047C5}"/>
+              </a:ext>
+            </a:extLst>
+          </p:cNvPr>
+          <p:cNvSpPr>
+            <a:spLocks noGrp="1"/>
+          </p:cNvSpPr>
+          <p:nvPr>
+            <p:ph type="title"/>
+          </p:nvPr>
+        </p:nvSpPr>
+        <p:spPr/>
+        <p:txBody>
+          <a:bodyPr/>
+          <a:lstStyle/>
+          <a:p>
+            <a:r>
+              <a:rPr lang="en-US" dirty="0"/>
+              <a:t>About the dataset</a:t>
+            </a:r>
+          </a:p>
+        </p:txBody>
+      </p:sp>
+      <p:sp>
+        <p:nvSpPr>
+          <p:cNvPr id="3" name="Content Placeholder 2">
+            <a:extLst>
+              <a:ext uri="{FF2B5EF4-FFF2-40B4-BE49-F238E27FC236}">
+                <a16:creationId xmlns:a16="http://schemas.microsoft.com/office/drawing/2014/main" id="{C4294E2D-AE65-D1F8-4463-BCB4D61FB3E7}"/>
+              </a:ext>
+            </a:extLst>
+          </p:cNvPr>
+          <p:cNvSpPr>
+            <a:spLocks noGrp="1"/>
+          </p:cNvSpPr>
+          <p:nvPr>
+            <p:ph idx="1"/>
+          </p:nvPr>
+        </p:nvSpPr>
+        <p:spPr/>
+        <p:txBody>
           <a:bodyPr>
             <a:normAutofit fontScale="85000" lnSpcReduction="20000"/>
           </a:bodyPr>
@@ -4074,196 +4129,71 @@
           <a:p>
             <a:pPr lvl="1" fontAlgn="base"/>
             <a:r>
-              <a:rPr lang="en-US" dirty="0">
-                <a:latin typeface="inherit"/>
-              </a:rPr>
-              <a:t>S</a:t>
-            </a:r>
-            <a:r>
-              <a:rPr lang="en-US" b="0" i="0" dirty="0">
-                <a:effectLst/>
-                <a:latin typeface="inherit"/>
-              </a:rPr>
-              <a:t>tatus (Ready for </a:t>
-            </a:r>
-            <a:r>
-              <a:rPr lang="en-US" dirty="0">
-                <a:latin typeface="inherit"/>
-              </a:rPr>
-              <a:t>S</a:t>
-            </a:r>
-            <a:r>
-              <a:rPr lang="en-US" b="0" i="0" dirty="0">
-                <a:effectLst/>
-                <a:latin typeface="inherit"/>
-              </a:rPr>
-              <a:t>ale or </a:t>
-            </a:r>
-            <a:r>
-              <a:rPr lang="en-US" dirty="0">
-                <a:latin typeface="inherit"/>
-              </a:rPr>
-              <a:t>R</a:t>
-            </a:r>
-            <a:r>
-              <a:rPr lang="en-US" b="0" i="0" dirty="0">
-                <a:effectLst/>
-                <a:latin typeface="inherit"/>
-              </a:rPr>
-              <a:t>eady to Build)</a:t>
+              <a:rPr lang="en-US" dirty="0"/>
+              <a:t>Status (Ready for Sale or Ready to Build)</a:t>
             </a:r>
           </a:p>
           <a:p>
             <a:pPr lvl="1" fontAlgn="base"/>
             <a:r>
-              <a:rPr lang="en-US" dirty="0">
-                <a:latin typeface="inherit"/>
-              </a:rPr>
+              <a:rPr lang="en-US" dirty="0"/>
               <a:t>Number of Bedrooms</a:t>
             </a:r>
-            <a:endParaRPr lang="en-US" b="0" i="0" dirty="0">
-              <a:effectLst/>
-              <a:latin typeface="inherit"/>
-            </a:endParaRPr>
           </a:p>
           <a:p>
             <a:pPr lvl="1" fontAlgn="base"/>
             <a:r>
-              <a:rPr lang="en-US" dirty="0">
-                <a:latin typeface="inherit"/>
-              </a:rPr>
+              <a:rPr lang="en-US" dirty="0"/>
               <a:t>Number of Bathrooms</a:t>
             </a:r>
-            <a:endParaRPr lang="en-US" b="0" i="0" dirty="0">
-              <a:effectLst/>
-              <a:latin typeface="inherit"/>
-            </a:endParaRPr>
           </a:p>
           <a:p>
             <a:pPr lvl="1" fontAlgn="base"/>
             <a:r>
-              <a:rPr lang="en-US" b="0" i="0" dirty="0">
-                <a:effectLst/>
-                <a:latin typeface="inherit"/>
-              </a:rPr>
+              <a:rPr lang="en-US" dirty="0"/>
               <a:t>Land Size in Acres</a:t>
             </a:r>
           </a:p>
           <a:p>
             <a:pPr lvl="1" fontAlgn="base"/>
             <a:r>
-              <a:rPr lang="en-US" dirty="0">
-                <a:latin typeface="inherit"/>
-              </a:rPr>
+              <a:rPr lang="en-US" dirty="0"/>
               <a:t>City</a:t>
             </a:r>
-            <a:endParaRPr lang="en-US" b="0" i="0" dirty="0">
-              <a:effectLst/>
-              <a:latin typeface="inherit"/>
-            </a:endParaRPr>
           </a:p>
           <a:p>
             <a:pPr lvl="1" fontAlgn="base"/>
             <a:r>
-              <a:rPr lang="en-US" dirty="0">
-                <a:latin typeface="inherit"/>
-              </a:rPr>
+              <a:rPr lang="en-US" dirty="0"/>
               <a:t>State</a:t>
             </a:r>
-            <a:endParaRPr lang="en-US" b="0" i="0" dirty="0">
-              <a:effectLst/>
-              <a:latin typeface="inherit"/>
-            </a:endParaRPr>
           </a:p>
           <a:p>
             <a:pPr lvl="1" fontAlgn="base"/>
             <a:r>
-              <a:rPr lang="en-US" b="0" i="0" dirty="0">
-                <a:effectLst/>
-                <a:latin typeface="inherit"/>
-              </a:rPr>
-              <a:t>Zip </a:t>
-            </a:r>
-            <a:r>
-              <a:rPr lang="en-US" dirty="0">
-                <a:latin typeface="inherit"/>
-              </a:rPr>
-              <a:t>Co</a:t>
-            </a:r>
-            <a:r>
-              <a:rPr lang="en-US" b="0" i="0" dirty="0">
-                <a:effectLst/>
-                <a:latin typeface="inherit"/>
-              </a:rPr>
-              <a:t>de</a:t>
+              <a:rPr lang="en-US" dirty="0"/>
+              <a:t>Zip Code</a:t>
             </a:r>
           </a:p>
           <a:p>
             <a:pPr lvl="1" fontAlgn="base"/>
             <a:r>
-              <a:rPr lang="en-US" dirty="0">
-                <a:latin typeface="inherit"/>
-              </a:rPr>
-              <a:t>House Size </a:t>
-            </a:r>
-            <a:r>
-              <a:rPr lang="en-US" b="0" i="0" dirty="0">
-                <a:effectLst/>
-                <a:latin typeface="inherit"/>
-              </a:rPr>
-              <a:t>in Square Feet</a:t>
+              <a:rPr lang="en-US" dirty="0"/>
+              <a:t>House Size in Square Feet</a:t>
             </a:r>
           </a:p>
           <a:p>
             <a:pPr lvl="1" fontAlgn="base"/>
             <a:r>
-              <a:rPr lang="en-US" b="0" i="0" dirty="0">
-                <a:effectLst/>
-                <a:latin typeface="inherit"/>
-              </a:rPr>
-              <a:t>Previously </a:t>
-            </a:r>
-            <a:r>
-              <a:rPr lang="en-US" dirty="0">
-                <a:latin typeface="inherit"/>
-              </a:rPr>
-              <a:t>S</a:t>
-            </a:r>
-            <a:r>
-              <a:rPr lang="en-US" b="0" i="0" dirty="0">
-                <a:effectLst/>
-                <a:latin typeface="inherit"/>
-              </a:rPr>
-              <a:t>old </a:t>
-            </a:r>
-            <a:r>
-              <a:rPr lang="en-US" dirty="0">
-                <a:latin typeface="inherit"/>
-              </a:rPr>
-              <a:t>D</a:t>
-            </a:r>
-            <a:r>
-              <a:rPr lang="en-US" b="0" i="0" dirty="0">
-                <a:effectLst/>
-                <a:latin typeface="inherit"/>
-              </a:rPr>
-              <a:t>ate</a:t>
+              <a:rPr lang="en-US" dirty="0"/>
+              <a:t>Previously Sold Date</a:t>
             </a:r>
           </a:p>
           <a:p>
             <a:pPr lvl="1" fontAlgn="base"/>
             <a:r>
-              <a:rPr lang="en-US" dirty="0">
-                <a:latin typeface="inherit"/>
-              </a:rPr>
-              <a:t>Housing P</a:t>
-            </a:r>
-            <a:r>
-              <a:rPr lang="en-US" b="0" i="0" dirty="0">
-                <a:effectLst/>
-                <a:latin typeface="inherit"/>
-              </a:rPr>
-              <a:t>rice (it is either the current listing price or recently sold price if the house is sold recently)</a:t>
+              <a:rPr lang="en-US" dirty="0"/>
+              <a:t>Housing Price (it is either the current listing price or recently sold price if the house is sold recently)</a:t>
             </a:r>
           </a:p>
           <a:p>
@@ -4285,7 +4215,7 @@
 </p:sld>
 </file>
 
-<file path=ppt/slides/slide5.xml><?xml version="1.0" encoding="utf-8"?>
+<file path=ppt/slides/slide6.xml><?xml version="1.0" encoding="utf-8"?>
 <p:sld xmlns:a="http://schemas.openxmlformats.org/drawingml/2006/main" xmlns:r="http://schemas.openxmlformats.org/officeDocument/2006/relationships" xmlns:p="http://schemas.openxmlformats.org/presentationml/2006/main">
   <p:cSld>
     <p:spTree>
@@ -4967,101 +4897,6 @@
 </p:sld>
 </file>
 
-<file path=ppt/slides/slide6.xml><?xml version="1.0" encoding="utf-8"?>
-<p:sld xmlns:a="http://schemas.openxmlformats.org/drawingml/2006/main" xmlns:r="http://schemas.openxmlformats.org/officeDocument/2006/relationships" xmlns:p="http://schemas.openxmlformats.org/presentationml/2006/main">
-  <p:cSld>
-    <p:spTree>
-      <p:nvGrpSpPr>
-        <p:cNvPr id="1" name=""/>
-        <p:cNvGrpSpPr/>
-        <p:nvPr/>
-      </p:nvGrpSpPr>
-      <p:grpSpPr>
-        <a:xfrm>
-          <a:off x="0" y="0"/>
-          <a:ext cx="0" cy="0"/>
-          <a:chOff x="0" y="0"/>
-          <a:chExt cx="0" cy="0"/>
-        </a:xfrm>
-      </p:grpSpPr>
-      <p:sp>
-        <p:nvSpPr>
-          <p:cNvPr id="2" name="Title 1">
-            <a:extLst>
-              <a:ext uri="{FF2B5EF4-FFF2-40B4-BE49-F238E27FC236}">
-                <a16:creationId xmlns:a16="http://schemas.microsoft.com/office/drawing/2014/main" id="{AFB7CD5B-FD93-776A-32C3-80C79B2047C5}"/>
-              </a:ext>
-            </a:extLst>
-          </p:cNvPr>
-          <p:cNvSpPr>
-            <a:spLocks noGrp="1"/>
-          </p:cNvSpPr>
-          <p:nvPr>
-            <p:ph type="title"/>
-          </p:nvPr>
-        </p:nvSpPr>
-        <p:spPr/>
-        <p:txBody>
-          <a:bodyPr/>
-          <a:lstStyle/>
-          <a:p>
-            <a:r>
-              <a:rPr lang="en-US" dirty="0"/>
-              <a:t>Preparing the data</a:t>
-            </a:r>
-          </a:p>
-        </p:txBody>
-      </p:sp>
-      <p:sp>
-        <p:nvSpPr>
-          <p:cNvPr id="3" name="Content Placeholder 2">
-            <a:extLst>
-              <a:ext uri="{FF2B5EF4-FFF2-40B4-BE49-F238E27FC236}">
-                <a16:creationId xmlns:a16="http://schemas.microsoft.com/office/drawing/2014/main" id="{C4294E2D-AE65-D1F8-4463-BCB4D61FB3E7}"/>
-              </a:ext>
-            </a:extLst>
-          </p:cNvPr>
-          <p:cNvSpPr>
-            <a:spLocks noGrp="1"/>
-          </p:cNvSpPr>
-          <p:nvPr>
-            <p:ph idx="1"/>
-          </p:nvPr>
-        </p:nvSpPr>
-        <p:spPr/>
-        <p:txBody>
-          <a:bodyPr/>
-          <a:lstStyle/>
-          <a:p>
-            <a:r>
-              <a:rPr lang="en-US" dirty="0"/>
-              <a:t>Categorical values like city and state will be one-hot encoded. split into columns with binary values based on which of the possible locations a house is located in.</a:t>
-            </a:r>
-          </a:p>
-          <a:p>
-            <a:r>
-              <a:rPr lang="en-US" dirty="0"/>
-              <a:t>The dataset will be randomized and split 2/3 for training and 1/3 for validation.</a:t>
-            </a:r>
-          </a:p>
-          <a:p>
-            <a:endParaRPr lang="en-US" dirty="0"/>
-          </a:p>
-        </p:txBody>
-      </p:sp>
-    </p:spTree>
-    <p:extLst>
-      <p:ext uri="{BB962C8B-B14F-4D97-AF65-F5344CB8AC3E}">
-        <p14:creationId xmlns:p14="http://schemas.microsoft.com/office/powerpoint/2010/main" val="315699825"/>
-      </p:ext>
-    </p:extLst>
-  </p:cSld>
-  <p:clrMapOvr>
-    <a:masterClrMapping/>
-  </p:clrMapOvr>
-</p:sld>
-</file>
-
 <file path=ppt/slides/slide7.xml><?xml version="1.0" encoding="utf-8"?>
 <p:sld xmlns:a="http://schemas.openxmlformats.org/drawingml/2006/main" xmlns:r="http://schemas.openxmlformats.org/officeDocument/2006/relationships" xmlns:p="http://schemas.openxmlformats.org/presentationml/2006/main">
   <p:cSld>
@@ -5102,7 +4937,7 @@
           <a:p>
             <a:r>
               <a:rPr lang="en-US" dirty="0"/>
-              <a:t>Approach</a:t>
+              <a:t>Preparing the data</a:t>
             </a:r>
           </a:p>
         </p:txBody>
@@ -5130,19 +4965,13 @@
           <a:p>
             <a:r>
               <a:rPr lang="en-US" dirty="0"/>
-              <a:t>Machine learning models to use</a:t>
+              <a:t>Categorical values like city and state will be one-hot encoded. split into columns with binary values based on which of the possible locations a house is located in.</a:t>
             </a:r>
           </a:p>
           <a:p>
             <a:r>
               <a:rPr lang="en-US" dirty="0"/>
-              <a:t>Algorithms to use</a:t>
-            </a:r>
-          </a:p>
-          <a:p>
-            <a:r>
-              <a:rPr lang="en-US" dirty="0"/>
-              <a:t>Experimenting with varying data set sizes</a:t>
+              <a:t>The dataset will be randomized and split 2/3 for training and 1/3 for validation.</a:t>
             </a:r>
           </a:p>
           <a:p>
@@ -5153,7 +4982,7 @@
     </p:spTree>
     <p:extLst>
       <p:ext uri="{BB962C8B-B14F-4D97-AF65-F5344CB8AC3E}">
-        <p14:creationId xmlns:p14="http://schemas.microsoft.com/office/powerpoint/2010/main" val="1067105108"/>
+        <p14:creationId xmlns:p14="http://schemas.microsoft.com/office/powerpoint/2010/main" val="315699825"/>
       </p:ext>
     </p:extLst>
   </p:cSld>
@@ -5203,7 +5032,7 @@
           <a:p>
             <a:r>
               <a:rPr lang="en-US" dirty="0"/>
-              <a:t>DESIRED Results</a:t>
+              <a:t>Approach</a:t>
             </a:r>
           </a:p>
         </p:txBody>
@@ -5231,19 +5060,120 @@
           <a:p>
             <a:r>
               <a:rPr lang="en-US" dirty="0"/>
-              <a:t>Model to accurately predict the housing price based on features within roughly +/- 5%</a:t>
+              <a:t>Machine learning models to use</a:t>
             </a:r>
           </a:p>
           <a:p>
             <a:r>
               <a:rPr lang="en-US" dirty="0"/>
-              <a:t>Determination of the most significant features on house price</a:t>
+              <a:t>Algorithms to use</a:t>
             </a:r>
           </a:p>
           <a:p>
             <a:r>
               <a:rPr lang="en-US" dirty="0"/>
-              <a:t>Insight into pricing patterns for home buyers and home sellers</a:t>
+              <a:t>Experimenting with varying data set sizes</a:t>
+            </a:r>
+          </a:p>
+          <a:p>
+            <a:endParaRPr lang="en-US" dirty="0"/>
+          </a:p>
+        </p:txBody>
+      </p:sp>
+    </p:spTree>
+    <p:extLst>
+      <p:ext uri="{BB962C8B-B14F-4D97-AF65-F5344CB8AC3E}">
+        <p14:creationId xmlns:p14="http://schemas.microsoft.com/office/powerpoint/2010/main" val="1067105108"/>
+      </p:ext>
+    </p:extLst>
+  </p:cSld>
+  <p:clrMapOvr>
+    <a:masterClrMapping/>
+  </p:clrMapOvr>
+</p:sld>
+</file>
+
+<file path=ppt/slides/slide9.xml><?xml version="1.0" encoding="utf-8"?>
+<p:sld xmlns:a="http://schemas.openxmlformats.org/drawingml/2006/main" xmlns:r="http://schemas.openxmlformats.org/officeDocument/2006/relationships" xmlns:p="http://schemas.openxmlformats.org/presentationml/2006/main">
+  <p:cSld>
+    <p:spTree>
+      <p:nvGrpSpPr>
+        <p:cNvPr id="1" name=""/>
+        <p:cNvGrpSpPr/>
+        <p:nvPr/>
+      </p:nvGrpSpPr>
+      <p:grpSpPr>
+        <a:xfrm>
+          <a:off x="0" y="0"/>
+          <a:ext cx="0" cy="0"/>
+          <a:chOff x="0" y="0"/>
+          <a:chExt cx="0" cy="0"/>
+        </a:xfrm>
+      </p:grpSpPr>
+      <p:sp>
+        <p:nvSpPr>
+          <p:cNvPr id="2" name="Title 1">
+            <a:extLst>
+              <a:ext uri="{FF2B5EF4-FFF2-40B4-BE49-F238E27FC236}">
+                <a16:creationId xmlns:a16="http://schemas.microsoft.com/office/drawing/2014/main" id="{AFB7CD5B-FD93-776A-32C3-80C79B2047C5}"/>
+              </a:ext>
+            </a:extLst>
+          </p:cNvPr>
+          <p:cNvSpPr>
+            <a:spLocks noGrp="1"/>
+          </p:cNvSpPr>
+          <p:nvPr>
+            <p:ph type="title"/>
+          </p:nvPr>
+        </p:nvSpPr>
+        <p:spPr/>
+        <p:txBody>
+          <a:bodyPr/>
+          <a:lstStyle/>
+          <a:p>
+            <a:r>
+              <a:rPr lang="en-US" dirty="0"/>
+              <a:t>DESIRED Results</a:t>
+            </a:r>
+          </a:p>
+        </p:txBody>
+      </p:sp>
+      <p:sp>
+        <p:nvSpPr>
+          <p:cNvPr id="3" name="Content Placeholder 2">
+            <a:extLst>
+              <a:ext uri="{FF2B5EF4-FFF2-40B4-BE49-F238E27FC236}">
+                <a16:creationId xmlns:a16="http://schemas.microsoft.com/office/drawing/2014/main" id="{C4294E2D-AE65-D1F8-4463-BCB4D61FB3E7}"/>
+              </a:ext>
+            </a:extLst>
+          </p:cNvPr>
+          <p:cNvSpPr>
+            <a:spLocks noGrp="1"/>
+          </p:cNvSpPr>
+          <p:nvPr>
+            <p:ph idx="1"/>
+          </p:nvPr>
+        </p:nvSpPr>
+        <p:spPr/>
+        <p:txBody>
+          <a:bodyPr/>
+          <a:lstStyle/>
+          <a:p>
+            <a:r>
+              <a:rPr lang="en-US" dirty="0"/>
+              <a:t>Model to accurately predict the housing price based on available features. </a:t>
+            </a:r>
+          </a:p>
+          <a:p>
+            <a:r>
+              <a:rPr lang="en-US" dirty="0"/>
+              <a:t>Determination of the most significant features on house price.</a:t>
+            </a:r>
+          </a:p>
+          <a:p>
+            <a:r>
+              <a:rPr lang="en-US" dirty="0"/>
+              <a:t>Insight into pricing patterns for home buyers and home sellers.</a:t>
             </a:r>
           </a:p>
         </p:txBody>

--- a/USA Real Estate Price Prediction_ryanedits.pptx
+++ b/USA Real Estate Price Prediction_ryanedits.pptx
@@ -3894,7 +3894,7 @@
             <a:pPr lvl="1"/>
             <a:r>
               <a:rPr lang="en-US" dirty="0"/>
-              <a:t>How correlated are the features of a house and the location to the sale price of the house?</a:t>
+              <a:t>How correlated are the features of a house to the sale price of the house?</a:t>
             </a:r>
           </a:p>
           <a:p>
@@ -4965,13 +4965,34 @@
           <a:p>
             <a:r>
               <a:rPr lang="en-US" dirty="0"/>
-              <a:t>Categorical values like city and state will be one-hot encoded. split into columns with binary values based on which of the possible locations a house is located in.</a:t>
+              <a:t>Categorical–nominal features will be one-hot encoded. </a:t>
+            </a:r>
+          </a:p>
+          <a:p>
+            <a:pPr lvl="1"/>
+            <a:r>
+              <a:rPr lang="en-US" dirty="0"/>
+              <a:t>Some are quite large (city/zip code)</a:t>
+            </a:r>
+          </a:p>
+          <a:p>
+            <a:pPr lvl="2"/>
+            <a:r>
+              <a:rPr lang="en-US" dirty="0"/>
+              <a:t>Will we need to approach this another way?</a:t>
             </a:r>
           </a:p>
           <a:p>
             <a:r>
               <a:rPr lang="en-US" dirty="0"/>
               <a:t>The dataset will be randomized and split 2/3 for training and 1/3 for validation.</a:t>
+            </a:r>
+          </a:p>
+          <a:p>
+            <a:pPr lvl="1"/>
+            <a:r>
+              <a:rPr lang="en-US" dirty="0"/>
+              <a:t>Will we need to narrow the data down to one state, city, or zip code?</a:t>
             </a:r>
           </a:p>
           <a:p>
